--- a/Documentation/OCR_TechTitans.pptx
+++ b/Documentation/OCR_TechTitans.pptx
@@ -5,17 +5,14 @@
     <p:sldMasterId id="2147483648" r:id="rId1"/>
   </p:sldMasterIdLst>
   <p:sldIdLst>
-    <p:sldId id="256" r:id="rId7"/>
-    <p:sldId id="257" r:id="rId8"/>
-    <p:sldId id="258" r:id="rId9"/>
-    <p:sldId id="259" r:id="rId10"/>
-    <p:sldId id="260" r:id="rId11"/>
-    <p:sldId id="261" r:id="rId12"/>
-    <p:sldId id="262" r:id="rId13"/>
-    <p:sldId id="263" r:id="rId14"/>
-    <p:sldId id="264" r:id="rId15"/>
-    <p:sldId id="265" r:id="rId16"/>
-    <p:sldId id="266" r:id="rId17"/>
+    <p:sldId id="256" r:id="rId2"/>
+    <p:sldId id="257" r:id="rId3"/>
+    <p:sldId id="259" r:id="rId4"/>
+    <p:sldId id="260" r:id="rId5"/>
+    <p:sldId id="261" r:id="rId6"/>
+    <p:sldId id="262" r:id="rId7"/>
+    <p:sldId id="264" r:id="rId8"/>
+    <p:sldId id="265" r:id="rId9"/>
   </p:sldIdLst>
   <p:sldSz cx="9144000" cy="6858000" type="screen4x3"/>
   <p:notesSz cx="6858000" cy="9144000"/>
@@ -114,6 +111,22 @@
       </a:defRPr>
     </a:lvl9pPr>
   </p:defaultTextStyle>
+  <p:extLst>
+    <p:ext uri="{EFAFB233-063F-42B5-8137-9DF3F51BA10A}">
+      <p15:sldGuideLst xmlns:p15="http://schemas.microsoft.com/office/powerpoint/2012/main">
+        <p15:guide id="1" orient="horz" pos="2160">
+          <p15:clr>
+            <a:srgbClr val="A4A3A4"/>
+          </p15:clr>
+        </p15:guide>
+        <p15:guide id="2" pos="2880">
+          <p15:clr>
+            <a:srgbClr val="A4A3A4"/>
+          </p15:clr>
+        </p15:guide>
+      </p15:sldGuideLst>
+    </p:ext>
+  </p:extLst>
 </p:presentation>
 </file>
 
@@ -155,10 +168,9 @@
           <a:lstStyle/>
           <a:p>
             <a:r>
-              <a:rPr lang="en-US" smtClean="0"/>
+              <a:rPr lang="en-US"/>
               <a:t>Click to edit Master title style</a:t>
             </a:r>
-            <a:endParaRPr lang="en-US"/>
           </a:p>
         </p:txBody>
       </p:sp>
@@ -274,10 +286,9 @@
           </a:lstStyle>
           <a:p>
             <a:r>
-              <a:rPr lang="en-US" smtClean="0"/>
+              <a:rPr lang="en-US"/>
               <a:t>Click to edit Master subtitle style</a:t>
             </a:r>
-            <a:endParaRPr lang="en-US"/>
           </a:p>
         </p:txBody>
       </p:sp>
@@ -298,7 +309,7 @@
           <a:p>
             <a:fld id="{5BCAD085-E8A6-8845-BD4E-CB4CCA059FC4}" type="datetimeFigureOut">
               <a:rPr lang="en-US" smtClean="0"/>
-              <a:t>1/27/13</a:t>
+              <a:t>3/26/2025</a:t>
             </a:fld>
             <a:endParaRPr lang="en-US"/>
           </a:p>
@@ -392,10 +403,9 @@
           <a:lstStyle/>
           <a:p>
             <a:r>
-              <a:rPr lang="en-US" smtClean="0"/>
+              <a:rPr lang="en-US"/>
               <a:t>Click to edit Master title style</a:t>
             </a:r>
-            <a:endParaRPr lang="en-US"/>
           </a:p>
         </p:txBody>
       </p:sp>
@@ -416,38 +426,37 @@
           <a:p>
             <a:pPr lvl="0"/>
             <a:r>
-              <a:rPr lang="en-US" smtClean="0"/>
+              <a:rPr lang="en-US"/>
               <a:t>Click to edit Master text styles</a:t>
             </a:r>
           </a:p>
           <a:p>
             <a:pPr lvl="1"/>
             <a:r>
-              <a:rPr lang="en-US" smtClean="0"/>
+              <a:rPr lang="en-US"/>
               <a:t>Second level</a:t>
             </a:r>
           </a:p>
           <a:p>
             <a:pPr lvl="2"/>
             <a:r>
-              <a:rPr lang="en-US" smtClean="0"/>
+              <a:rPr lang="en-US"/>
               <a:t>Third level</a:t>
             </a:r>
           </a:p>
           <a:p>
             <a:pPr lvl="3"/>
             <a:r>
-              <a:rPr lang="en-US" smtClean="0"/>
+              <a:rPr lang="en-US"/>
               <a:t>Fourth level</a:t>
             </a:r>
           </a:p>
           <a:p>
             <a:pPr lvl="4"/>
             <a:r>
-              <a:rPr lang="en-US" smtClean="0"/>
+              <a:rPr lang="en-US"/>
               <a:t>Fifth level</a:t>
             </a:r>
-            <a:endParaRPr lang="en-US"/>
           </a:p>
         </p:txBody>
       </p:sp>
@@ -468,7 +477,7 @@
           <a:p>
             <a:fld id="{5BCAD085-E8A6-8845-BD4E-CB4CCA059FC4}" type="datetimeFigureOut">
               <a:rPr lang="en-US" smtClean="0"/>
-              <a:t>1/27/13</a:t>
+              <a:t>3/26/2025</a:t>
             </a:fld>
             <a:endParaRPr lang="en-US"/>
           </a:p>
@@ -567,10 +576,9 @@
           <a:lstStyle/>
           <a:p>
             <a:r>
-              <a:rPr lang="en-US" smtClean="0"/>
+              <a:rPr lang="en-US"/>
               <a:t>Click to edit Master title style</a:t>
             </a:r>
-            <a:endParaRPr lang="en-US"/>
           </a:p>
         </p:txBody>
       </p:sp>
@@ -596,38 +604,37 @@
           <a:p>
             <a:pPr lvl="0"/>
             <a:r>
-              <a:rPr lang="en-US" smtClean="0"/>
+              <a:rPr lang="en-US"/>
               <a:t>Click to edit Master text styles</a:t>
             </a:r>
           </a:p>
           <a:p>
             <a:pPr lvl="1"/>
             <a:r>
-              <a:rPr lang="en-US" smtClean="0"/>
+              <a:rPr lang="en-US"/>
               <a:t>Second level</a:t>
             </a:r>
           </a:p>
           <a:p>
             <a:pPr lvl="2"/>
             <a:r>
-              <a:rPr lang="en-US" smtClean="0"/>
+              <a:rPr lang="en-US"/>
               <a:t>Third level</a:t>
             </a:r>
           </a:p>
           <a:p>
             <a:pPr lvl="3"/>
             <a:r>
-              <a:rPr lang="en-US" smtClean="0"/>
+              <a:rPr lang="en-US"/>
               <a:t>Fourth level</a:t>
             </a:r>
           </a:p>
           <a:p>
             <a:pPr lvl="4"/>
             <a:r>
-              <a:rPr lang="en-US" smtClean="0"/>
+              <a:rPr lang="en-US"/>
               <a:t>Fifth level</a:t>
             </a:r>
-            <a:endParaRPr lang="en-US"/>
           </a:p>
         </p:txBody>
       </p:sp>
@@ -648,7 +655,7 @@
           <a:p>
             <a:fld id="{5BCAD085-E8A6-8845-BD4E-CB4CCA059FC4}" type="datetimeFigureOut">
               <a:rPr lang="en-US" smtClean="0"/>
-              <a:t>1/27/13</a:t>
+              <a:t>3/26/2025</a:t>
             </a:fld>
             <a:endParaRPr lang="en-US"/>
           </a:p>
@@ -742,10 +749,9 @@
           <a:lstStyle/>
           <a:p>
             <a:r>
-              <a:rPr lang="en-US" smtClean="0"/>
+              <a:rPr lang="en-US"/>
               <a:t>Click to edit Master title style</a:t>
             </a:r>
-            <a:endParaRPr lang="en-US"/>
           </a:p>
         </p:txBody>
       </p:sp>
@@ -766,38 +772,37 @@
           <a:p>
             <a:pPr lvl="0"/>
             <a:r>
-              <a:rPr lang="en-US" smtClean="0"/>
+              <a:rPr lang="en-US"/>
               <a:t>Click to edit Master text styles</a:t>
             </a:r>
           </a:p>
           <a:p>
             <a:pPr lvl="1"/>
             <a:r>
-              <a:rPr lang="en-US" smtClean="0"/>
+              <a:rPr lang="en-US"/>
               <a:t>Second level</a:t>
             </a:r>
           </a:p>
           <a:p>
             <a:pPr lvl="2"/>
             <a:r>
-              <a:rPr lang="en-US" smtClean="0"/>
+              <a:rPr lang="en-US"/>
               <a:t>Third level</a:t>
             </a:r>
           </a:p>
           <a:p>
             <a:pPr lvl="3"/>
             <a:r>
-              <a:rPr lang="en-US" smtClean="0"/>
+              <a:rPr lang="en-US"/>
               <a:t>Fourth level</a:t>
             </a:r>
           </a:p>
           <a:p>
             <a:pPr lvl="4"/>
             <a:r>
-              <a:rPr lang="en-US" smtClean="0"/>
+              <a:rPr lang="en-US"/>
               <a:t>Fifth level</a:t>
             </a:r>
-            <a:endParaRPr lang="en-US"/>
           </a:p>
         </p:txBody>
       </p:sp>
@@ -818,7 +823,7 @@
           <a:p>
             <a:fld id="{5BCAD085-E8A6-8845-BD4E-CB4CCA059FC4}" type="datetimeFigureOut">
               <a:rPr lang="en-US" smtClean="0"/>
-              <a:t>1/27/13</a:t>
+              <a:t>3/26/2025</a:t>
             </a:fld>
             <a:endParaRPr lang="en-US"/>
           </a:p>
@@ -921,10 +926,9 @@
           </a:lstStyle>
           <a:p>
             <a:r>
-              <a:rPr lang="en-US" smtClean="0"/>
+              <a:rPr lang="en-US"/>
               <a:t>Click to edit Master title style</a:t>
             </a:r>
-            <a:endParaRPr lang="en-US"/>
           </a:p>
         </p:txBody>
       </p:sp>
@@ -1041,7 +1045,7 @@
           <a:p>
             <a:pPr lvl="0"/>
             <a:r>
-              <a:rPr lang="en-US" smtClean="0"/>
+              <a:rPr lang="en-US"/>
               <a:t>Click to edit Master text styles</a:t>
             </a:r>
           </a:p>
@@ -1064,7 +1068,7 @@
           <a:p>
             <a:fld id="{5BCAD085-E8A6-8845-BD4E-CB4CCA059FC4}" type="datetimeFigureOut">
               <a:rPr lang="en-US" smtClean="0"/>
-              <a:t>1/27/13</a:t>
+              <a:t>3/26/2025</a:t>
             </a:fld>
             <a:endParaRPr lang="en-US"/>
           </a:p>
@@ -1158,10 +1162,9 @@
           <a:lstStyle/>
           <a:p>
             <a:r>
-              <a:rPr lang="en-US" smtClean="0"/>
+              <a:rPr lang="en-US"/>
               <a:t>Click to edit Master title style</a:t>
             </a:r>
-            <a:endParaRPr lang="en-US"/>
           </a:p>
         </p:txBody>
       </p:sp>
@@ -1215,38 +1218,37 @@
           <a:p>
             <a:pPr lvl="0"/>
             <a:r>
-              <a:rPr lang="en-US" smtClean="0"/>
+              <a:rPr lang="en-US"/>
               <a:t>Click to edit Master text styles</a:t>
             </a:r>
           </a:p>
           <a:p>
             <a:pPr lvl="1"/>
             <a:r>
-              <a:rPr lang="en-US" smtClean="0"/>
+              <a:rPr lang="en-US"/>
               <a:t>Second level</a:t>
             </a:r>
           </a:p>
           <a:p>
             <a:pPr lvl="2"/>
             <a:r>
-              <a:rPr lang="en-US" smtClean="0"/>
+              <a:rPr lang="en-US"/>
               <a:t>Third level</a:t>
             </a:r>
           </a:p>
           <a:p>
             <a:pPr lvl="3"/>
             <a:r>
-              <a:rPr lang="en-US" smtClean="0"/>
+              <a:rPr lang="en-US"/>
               <a:t>Fourth level</a:t>
             </a:r>
           </a:p>
           <a:p>
             <a:pPr lvl="4"/>
             <a:r>
-              <a:rPr lang="en-US" smtClean="0"/>
+              <a:rPr lang="en-US"/>
               <a:t>Fifth level</a:t>
             </a:r>
-            <a:endParaRPr lang="en-US"/>
           </a:p>
         </p:txBody>
       </p:sp>
@@ -1300,38 +1302,37 @@
           <a:p>
             <a:pPr lvl="0"/>
             <a:r>
-              <a:rPr lang="en-US" smtClean="0"/>
+              <a:rPr lang="en-US"/>
               <a:t>Click to edit Master text styles</a:t>
             </a:r>
           </a:p>
           <a:p>
             <a:pPr lvl="1"/>
             <a:r>
-              <a:rPr lang="en-US" smtClean="0"/>
+              <a:rPr lang="en-US"/>
               <a:t>Second level</a:t>
             </a:r>
           </a:p>
           <a:p>
             <a:pPr lvl="2"/>
             <a:r>
-              <a:rPr lang="en-US" smtClean="0"/>
+              <a:rPr lang="en-US"/>
               <a:t>Third level</a:t>
             </a:r>
           </a:p>
           <a:p>
             <a:pPr lvl="3"/>
             <a:r>
-              <a:rPr lang="en-US" smtClean="0"/>
+              <a:rPr lang="en-US"/>
               <a:t>Fourth level</a:t>
             </a:r>
           </a:p>
           <a:p>
             <a:pPr lvl="4"/>
             <a:r>
-              <a:rPr lang="en-US" smtClean="0"/>
+              <a:rPr lang="en-US"/>
               <a:t>Fifth level</a:t>
             </a:r>
-            <a:endParaRPr lang="en-US"/>
           </a:p>
         </p:txBody>
       </p:sp>
@@ -1352,7 +1353,7 @@
           <a:p>
             <a:fld id="{5BCAD085-E8A6-8845-BD4E-CB4CCA059FC4}" type="datetimeFigureOut">
               <a:rPr lang="en-US" smtClean="0"/>
-              <a:t>1/27/13</a:t>
+              <a:t>3/26/2025</a:t>
             </a:fld>
             <a:endParaRPr lang="en-US"/>
           </a:p>
@@ -1450,10 +1451,9 @@
           </a:lstStyle>
           <a:p>
             <a:r>
-              <a:rPr lang="en-US" smtClean="0"/>
+              <a:rPr lang="en-US"/>
               <a:t>Click to edit Master title style</a:t>
             </a:r>
-            <a:endParaRPr lang="en-US"/>
           </a:p>
         </p:txBody>
       </p:sp>
@@ -1516,7 +1516,7 @@
           <a:p>
             <a:pPr lvl="0"/>
             <a:r>
-              <a:rPr lang="en-US" smtClean="0"/>
+              <a:rPr lang="en-US"/>
               <a:t>Click to edit Master text styles</a:t>
             </a:r>
           </a:p>
@@ -1572,38 +1572,37 @@
           <a:p>
             <a:pPr lvl="0"/>
             <a:r>
-              <a:rPr lang="en-US" smtClean="0"/>
+              <a:rPr lang="en-US"/>
               <a:t>Click to edit Master text styles</a:t>
             </a:r>
           </a:p>
           <a:p>
             <a:pPr lvl="1"/>
             <a:r>
-              <a:rPr lang="en-US" smtClean="0"/>
+              <a:rPr lang="en-US"/>
               <a:t>Second level</a:t>
             </a:r>
           </a:p>
           <a:p>
             <a:pPr lvl="2"/>
             <a:r>
-              <a:rPr lang="en-US" smtClean="0"/>
+              <a:rPr lang="en-US"/>
               <a:t>Third level</a:t>
             </a:r>
           </a:p>
           <a:p>
             <a:pPr lvl="3"/>
             <a:r>
-              <a:rPr lang="en-US" smtClean="0"/>
+              <a:rPr lang="en-US"/>
               <a:t>Fourth level</a:t>
             </a:r>
           </a:p>
           <a:p>
             <a:pPr lvl="4"/>
             <a:r>
-              <a:rPr lang="en-US" smtClean="0"/>
+              <a:rPr lang="en-US"/>
               <a:t>Fifth level</a:t>
             </a:r>
-            <a:endParaRPr lang="en-US"/>
           </a:p>
         </p:txBody>
       </p:sp>
@@ -1666,7 +1665,7 @@
           <a:p>
             <a:pPr lvl="0"/>
             <a:r>
-              <a:rPr lang="en-US" smtClean="0"/>
+              <a:rPr lang="en-US"/>
               <a:t>Click to edit Master text styles</a:t>
             </a:r>
           </a:p>
@@ -1722,38 +1721,37 @@
           <a:p>
             <a:pPr lvl="0"/>
             <a:r>
-              <a:rPr lang="en-US" smtClean="0"/>
+              <a:rPr lang="en-US"/>
               <a:t>Click to edit Master text styles</a:t>
             </a:r>
           </a:p>
           <a:p>
             <a:pPr lvl="1"/>
             <a:r>
-              <a:rPr lang="en-US" smtClean="0"/>
+              <a:rPr lang="en-US"/>
               <a:t>Second level</a:t>
             </a:r>
           </a:p>
           <a:p>
             <a:pPr lvl="2"/>
             <a:r>
-              <a:rPr lang="en-US" smtClean="0"/>
+              <a:rPr lang="en-US"/>
               <a:t>Third level</a:t>
             </a:r>
           </a:p>
           <a:p>
             <a:pPr lvl="3"/>
             <a:r>
-              <a:rPr lang="en-US" smtClean="0"/>
+              <a:rPr lang="en-US"/>
               <a:t>Fourth level</a:t>
             </a:r>
           </a:p>
           <a:p>
             <a:pPr lvl="4"/>
             <a:r>
-              <a:rPr lang="en-US" smtClean="0"/>
+              <a:rPr lang="en-US"/>
               <a:t>Fifth level</a:t>
             </a:r>
-            <a:endParaRPr lang="en-US"/>
           </a:p>
         </p:txBody>
       </p:sp>
@@ -1774,7 +1772,7 @@
           <a:p>
             <a:fld id="{5BCAD085-E8A6-8845-BD4E-CB4CCA059FC4}" type="datetimeFigureOut">
               <a:rPr lang="en-US" smtClean="0"/>
-              <a:t>1/27/13</a:t>
+              <a:t>3/26/2025</a:t>
             </a:fld>
             <a:endParaRPr lang="en-US"/>
           </a:p>
@@ -1868,10 +1866,9 @@
           <a:lstStyle/>
           <a:p>
             <a:r>
-              <a:rPr lang="en-US" smtClean="0"/>
+              <a:rPr lang="en-US"/>
               <a:t>Click to edit Master title style</a:t>
             </a:r>
-            <a:endParaRPr lang="en-US"/>
           </a:p>
         </p:txBody>
       </p:sp>
@@ -1892,7 +1889,7 @@
           <a:p>
             <a:fld id="{5BCAD085-E8A6-8845-BD4E-CB4CCA059FC4}" type="datetimeFigureOut">
               <a:rPr lang="en-US" smtClean="0"/>
-              <a:t>1/27/13</a:t>
+              <a:t>3/26/2025</a:t>
             </a:fld>
             <a:endParaRPr lang="en-US"/>
           </a:p>
@@ -1987,7 +1984,7 @@
           <a:p>
             <a:fld id="{5BCAD085-E8A6-8845-BD4E-CB4CCA059FC4}" type="datetimeFigureOut">
               <a:rPr lang="en-US" smtClean="0"/>
-              <a:t>1/27/13</a:t>
+              <a:t>3/26/2025</a:t>
             </a:fld>
             <a:endParaRPr lang="en-US"/>
           </a:p>
@@ -2090,10 +2087,9 @@
           </a:lstStyle>
           <a:p>
             <a:r>
-              <a:rPr lang="en-US" smtClean="0"/>
+              <a:rPr lang="en-US"/>
               <a:t>Click to edit Master title style</a:t>
             </a:r>
-            <a:endParaRPr lang="en-US"/>
           </a:p>
         </p:txBody>
       </p:sp>
@@ -2147,38 +2143,37 @@
           <a:p>
             <a:pPr lvl="0"/>
             <a:r>
-              <a:rPr lang="en-US" smtClean="0"/>
+              <a:rPr lang="en-US"/>
               <a:t>Click to edit Master text styles</a:t>
             </a:r>
           </a:p>
           <a:p>
             <a:pPr lvl="1"/>
             <a:r>
-              <a:rPr lang="en-US" smtClean="0"/>
+              <a:rPr lang="en-US"/>
               <a:t>Second level</a:t>
             </a:r>
           </a:p>
           <a:p>
             <a:pPr lvl="2"/>
             <a:r>
-              <a:rPr lang="en-US" smtClean="0"/>
+              <a:rPr lang="en-US"/>
               <a:t>Third level</a:t>
             </a:r>
           </a:p>
           <a:p>
             <a:pPr lvl="3"/>
             <a:r>
-              <a:rPr lang="en-US" smtClean="0"/>
+              <a:rPr lang="en-US"/>
               <a:t>Fourth level</a:t>
             </a:r>
           </a:p>
           <a:p>
             <a:pPr lvl="4"/>
             <a:r>
-              <a:rPr lang="en-US" smtClean="0"/>
+              <a:rPr lang="en-US"/>
               <a:t>Fifth level</a:t>
             </a:r>
-            <a:endParaRPr lang="en-US"/>
           </a:p>
         </p:txBody>
       </p:sp>
@@ -2241,7 +2236,7 @@
           <a:p>
             <a:pPr lvl="0"/>
             <a:r>
-              <a:rPr lang="en-US" smtClean="0"/>
+              <a:rPr lang="en-US"/>
               <a:t>Click to edit Master text styles</a:t>
             </a:r>
           </a:p>
@@ -2264,7 +2259,7 @@
           <a:p>
             <a:fld id="{5BCAD085-E8A6-8845-BD4E-CB4CCA059FC4}" type="datetimeFigureOut">
               <a:rPr lang="en-US" smtClean="0"/>
-              <a:t>1/27/13</a:t>
+              <a:t>3/26/2025</a:t>
             </a:fld>
             <a:endParaRPr lang="en-US"/>
           </a:p>
@@ -2367,10 +2362,9 @@
           </a:lstStyle>
           <a:p>
             <a:r>
-              <a:rPr lang="en-US" smtClean="0"/>
+              <a:rPr lang="en-US"/>
               <a:t>Click to edit Master title style</a:t>
             </a:r>
-            <a:endParaRPr lang="en-US"/>
           </a:p>
         </p:txBody>
       </p:sp>
@@ -2494,7 +2488,7 @@
           <a:p>
             <a:pPr lvl="0"/>
             <a:r>
-              <a:rPr lang="en-US" smtClean="0"/>
+              <a:rPr lang="en-US"/>
               <a:t>Click to edit Master text styles</a:t>
             </a:r>
           </a:p>
@@ -2517,7 +2511,7 @@
           <a:p>
             <a:fld id="{5BCAD085-E8A6-8845-BD4E-CB4CCA059FC4}" type="datetimeFigureOut">
               <a:rPr lang="en-US" smtClean="0"/>
-              <a:t>1/27/13</a:t>
+              <a:t>3/26/2025</a:t>
             </a:fld>
             <a:endParaRPr lang="en-US"/>
           </a:p>
@@ -2626,10 +2620,9 @@
           <a:lstStyle/>
           <a:p>
             <a:r>
-              <a:rPr lang="en-US" smtClean="0"/>
+              <a:rPr lang="en-US"/>
               <a:t>Click to edit Master title style</a:t>
             </a:r>
-            <a:endParaRPr lang="en-US"/>
           </a:p>
         </p:txBody>
       </p:sp>
@@ -2660,38 +2653,37 @@
           <a:p>
             <a:pPr lvl="0"/>
             <a:r>
-              <a:rPr lang="en-US" smtClean="0"/>
+              <a:rPr lang="en-US"/>
               <a:t>Click to edit Master text styles</a:t>
             </a:r>
           </a:p>
           <a:p>
             <a:pPr lvl="1"/>
             <a:r>
-              <a:rPr lang="en-US" smtClean="0"/>
+              <a:rPr lang="en-US"/>
               <a:t>Second level</a:t>
             </a:r>
           </a:p>
           <a:p>
             <a:pPr lvl="2"/>
             <a:r>
-              <a:rPr lang="en-US" smtClean="0"/>
+              <a:rPr lang="en-US"/>
               <a:t>Third level</a:t>
             </a:r>
           </a:p>
           <a:p>
             <a:pPr lvl="3"/>
             <a:r>
-              <a:rPr lang="en-US" smtClean="0"/>
+              <a:rPr lang="en-US"/>
               <a:t>Fourth level</a:t>
             </a:r>
           </a:p>
           <a:p>
             <a:pPr lvl="4"/>
             <a:r>
-              <a:rPr lang="en-US" smtClean="0"/>
+              <a:rPr lang="en-US"/>
               <a:t>Fifth level</a:t>
             </a:r>
-            <a:endParaRPr lang="en-US"/>
           </a:p>
         </p:txBody>
       </p:sp>
@@ -2730,7 +2722,7 @@
           <a:p>
             <a:fld id="{5BCAD085-E8A6-8845-BD4E-CB4CCA059FC4}" type="datetimeFigureOut">
               <a:rPr lang="en-US" smtClean="0"/>
-              <a:t>1/27/13</a:t>
+              <a:t>3/26/2025</a:t>
             </a:fld>
             <a:endParaRPr lang="en-US"/>
           </a:p>
@@ -3089,7 +3081,7 @@
 </file>
 
 <file path=ppt/slides/slide1.xml><?xml version="1.0" encoding="utf-8"?>
-<p:sld xmlns:a="http://schemas.openxmlformats.org/drawingml/2006/main" xmlns:p="http://schemas.openxmlformats.org/presentationml/2006/main" xmlns:r="http://schemas.openxmlformats.org/officeDocument/2006/relationships">
+<p:sld xmlns:a="http://schemas.openxmlformats.org/drawingml/2006/main" xmlns:r="http://schemas.openxmlformats.org/officeDocument/2006/relationships" xmlns:p="http://schemas.openxmlformats.org/presentationml/2006/main">
   <p:cSld>
     <p:spTree>
       <p:nvGrpSpPr>
@@ -3097,7 +3089,14 @@
         <p:cNvGrpSpPr/>
         <p:nvPr/>
       </p:nvGrpSpPr>
-      <p:grpSpPr/>
+      <p:grpSpPr>
+        <a:xfrm>
+          <a:off x="0" y="0"/>
+          <a:ext cx="0" cy="0"/>
+          <a:chOff x="0" y="0"/>
+          <a:chExt cx="0" cy="0"/>
+        </a:xfrm>
+      </p:grpSpPr>
       <p:sp>
         <p:nvSpPr>
           <p:cNvPr id="2" name="Title 1"/>
@@ -3108,13 +3107,21 @@
             <p:ph type="ctrTitle"/>
           </p:nvPr>
         </p:nvSpPr>
-        <p:spPr/>
-        <p:txBody>
-          <a:bodyPr/>
-          <a:lstStyle/>
-          <a:p>
-            <a:r>
-              <a:t>OCR Image Processing &amp; Model Evaluation</a:t>
+        <p:spPr>
+          <a:xfrm>
+            <a:off x="685800" y="363795"/>
+            <a:ext cx="7772400" cy="1140540"/>
+          </a:xfrm>
+        </p:spPr>
+        <p:txBody>
+          <a:bodyPr>
+            <a:normAutofit fontScale="90000"/>
+          </a:bodyPr>
+          <a:lstStyle/>
+          <a:p>
+            <a:r>
+              <a:rPr dirty="0"/>
+              <a:t>OCR Solution Using Tesseract SDK</a:t>
             </a:r>
           </a:p>
         </p:txBody>
@@ -3129,148 +3136,91 @@
             <p:ph type="subTitle" idx="1"/>
           </p:nvPr>
         </p:nvSpPr>
-        <p:spPr/>
-        <p:txBody>
-          <a:bodyPr/>
-          <a:lstStyle/>
-          <a:p>
-            <a:r>
-              <a:t>Optimizing OCR with Image Processing, Model Evaluation, and Performance Tracking</a:t>
-            </a:r>
-          </a:p>
-        </p:txBody>
-      </p:sp>
-    </p:spTree>
-  </p:cSld>
-  <p:clrMapOvr>
-    <a:masterClrMapping/>
-  </p:clrMapOvr>
-</p:sld>
-</file>
-
-<file path=ppt/slides/slide10.xml><?xml version="1.0" encoding="utf-8"?>
-<p:sld xmlns:a="http://schemas.openxmlformats.org/drawingml/2006/main" xmlns:p="http://schemas.openxmlformats.org/presentationml/2006/main" xmlns:r="http://schemas.openxmlformats.org/officeDocument/2006/relationships">
-  <p:cSld>
-    <p:spTree>
-      <p:nvGrpSpPr>
-        <p:cNvPr id="1" name=""/>
-        <p:cNvGrpSpPr/>
-        <p:nvPr/>
-      </p:nvGrpSpPr>
-      <p:grpSpPr/>
-      <p:sp>
-        <p:nvSpPr>
-          <p:cNvPr id="2" name="Title 1"/>
-          <p:cNvSpPr>
-            <a:spLocks noGrp="1"/>
-          </p:cNvSpPr>
-          <p:nvPr>
-            <p:ph type="title"/>
-          </p:nvPr>
-        </p:nvSpPr>
-        <p:spPr/>
-        <p:txBody>
-          <a:bodyPr/>
-          <a:lstStyle/>
-          <a:p>
-            <a:r>
-              <a:t>Conclusion</a:t>
-            </a:r>
-          </a:p>
-        </p:txBody>
-      </p:sp>
-      <p:sp>
-        <p:nvSpPr>
-          <p:cNvPr id="3" name="Content Placeholder 2"/>
-          <p:cNvSpPr>
-            <a:spLocks noGrp="1"/>
-          </p:cNvSpPr>
-          <p:nvPr>
-            <p:ph idx="1"/>
-          </p:nvPr>
-        </p:nvSpPr>
-        <p:spPr/>
-        <p:txBody>
-          <a:bodyPr/>
-          <a:lstStyle/>
-          <a:p>
-            <a:r>
-              <a:t>1. OCR Processing improves text extraction accuracy.</a:t>
-            </a:r>
-          </a:p>
-          <a:p>
-            <a:r>
-              <a:t>2. Model Evaluation ensures optimal performance.</a:t>
-            </a:r>
-          </a:p>
-          <a:p>
-            <a:r>
-              <a:t>3. Performance tracking helps refine models.</a:t>
-            </a:r>
-          </a:p>
-          <a:p>
-            <a:r>
-              <a:t>This project enables efficient OCR workflows and comparisons.</a:t>
-            </a:r>
-          </a:p>
-        </p:txBody>
-      </p:sp>
-    </p:spTree>
-  </p:cSld>
-  <p:clrMapOvr>
-    <a:masterClrMapping/>
-  </p:clrMapOvr>
-</p:sld>
-</file>
-
-<file path=ppt/slides/slide11.xml><?xml version="1.0" encoding="utf-8"?>
-<p:sld xmlns:a="http://schemas.openxmlformats.org/drawingml/2006/main" xmlns:p="http://schemas.openxmlformats.org/presentationml/2006/main" xmlns:r="http://schemas.openxmlformats.org/officeDocument/2006/relationships">
-  <p:cSld>
-    <p:spTree>
-      <p:nvGrpSpPr>
-        <p:cNvPr id="1" name=""/>
-        <p:cNvGrpSpPr/>
-        <p:nvPr/>
-      </p:nvGrpSpPr>
-      <p:grpSpPr/>
-      <p:sp>
-        <p:nvSpPr>
-          <p:cNvPr id="2" name="Title 1"/>
-          <p:cNvSpPr>
-            <a:spLocks noGrp="1"/>
-          </p:cNvSpPr>
-          <p:nvPr>
-            <p:ph type="title"/>
-          </p:nvPr>
-        </p:nvSpPr>
-        <p:spPr/>
-        <p:txBody>
-          <a:bodyPr/>
-          <a:lstStyle/>
-          <a:p>
-            <a:r>
-              <a:t>Q&amp;A</a:t>
-            </a:r>
-          </a:p>
-        </p:txBody>
-      </p:sp>
-      <p:sp>
-        <p:nvSpPr>
-          <p:cNvPr id="3" name="Content Placeholder 2"/>
-          <p:cNvSpPr>
-            <a:spLocks noGrp="1"/>
-          </p:cNvSpPr>
-          <p:nvPr>
-            <p:ph idx="1"/>
-          </p:nvPr>
-        </p:nvSpPr>
-        <p:spPr/>
-        <p:txBody>
-          <a:bodyPr/>
-          <a:lstStyle/>
-          <a:p>
-            <a:r>
-              <a:t>• Please feel free to ask any questions.</a:t>
+        <p:spPr>
+          <a:xfrm>
+            <a:off x="1371600" y="1415846"/>
+            <a:ext cx="6400800" cy="1347020"/>
+          </a:xfrm>
+        </p:spPr>
+        <p:txBody>
+          <a:bodyPr/>
+          <a:lstStyle/>
+          <a:p>
+            <a:r>
+              <a:rPr dirty="0">
+                <a:solidFill>
+                  <a:schemeClr val="tx1">
+                    <a:lumMod val="75000"/>
+                    <a:lumOff val="25000"/>
+                  </a:schemeClr>
+                </a:solidFill>
+              </a:rPr>
+              <a:t>A C# Application for Image Preprocessing and Text Extraction</a:t>
+            </a:r>
+          </a:p>
+        </p:txBody>
+      </p:sp>
+      <p:sp>
+        <p:nvSpPr>
+          <p:cNvPr id="5" name="TextBox 4">
+            <a:extLst>
+              <a:ext uri="{FF2B5EF4-FFF2-40B4-BE49-F238E27FC236}">
+                <a16:creationId xmlns:a16="http://schemas.microsoft.com/office/drawing/2014/main" id="{DD4C1078-A40C-9747-1E64-AB5962B60ADE}"/>
+              </a:ext>
+            </a:extLst>
+          </p:cNvPr>
+          <p:cNvSpPr txBox="1"/>
+          <p:nvPr/>
+        </p:nvSpPr>
+        <p:spPr>
+          <a:xfrm>
+            <a:off x="1120877" y="3888658"/>
+            <a:ext cx="7118555" cy="1200329"/>
+          </a:xfrm>
+          <a:prstGeom prst="rect">
+            <a:avLst/>
+          </a:prstGeom>
+          <a:noFill/>
+        </p:spPr>
+        <p:txBody>
+          <a:bodyPr wrap="square" rtlCol="0">
+            <a:spAutoFit/>
+          </a:bodyPr>
+          <a:lstStyle/>
+          <a:p>
+            <a:pPr algn="ctr"/>
+            <a:r>
+              <a:rPr lang="en-IN" dirty="0"/>
+              <a:t>Team-</a:t>
+            </a:r>
+            <a:r>
+              <a:rPr lang="en-IN" dirty="0" err="1"/>
+              <a:t>TechTittans</a:t>
+            </a:r>
+            <a:br>
+              <a:rPr lang="en-IN" dirty="0"/>
+            </a:br>
+            <a:r>
+              <a:rPr lang="en-IN" dirty="0"/>
+              <a:t>Mithila Prabhu (1567111)</a:t>
+            </a:r>
+          </a:p>
+          <a:p>
+            <a:pPr algn="ctr"/>
+            <a:r>
+              <a:rPr lang="en-IN" dirty="0" err="1"/>
+              <a:t>Taibaz</a:t>
+            </a:r>
+            <a:r>
+              <a:rPr lang="en-IN" dirty="0"/>
+              <a:t> Pathan (Matriculation)</a:t>
+            </a:r>
+          </a:p>
+          <a:p>
+            <a:pPr algn="ctr"/>
+            <a:r>
+              <a:rPr lang="en-IN" dirty="0"/>
+              <a:t>Khushal Singh (Matriculation)</a:t>
             </a:r>
           </a:p>
         </p:txBody>
@@ -3284,7 +3234,7 @@
 </file>
 
 <file path=ppt/slides/slide2.xml><?xml version="1.0" encoding="utf-8"?>
-<p:sld xmlns:a="http://schemas.openxmlformats.org/drawingml/2006/main" xmlns:p="http://schemas.openxmlformats.org/presentationml/2006/main" xmlns:r="http://schemas.openxmlformats.org/officeDocument/2006/relationships">
+<p:sld xmlns:a="http://schemas.openxmlformats.org/drawingml/2006/main" xmlns:r="http://schemas.openxmlformats.org/officeDocument/2006/relationships" xmlns:p="http://schemas.openxmlformats.org/presentationml/2006/main">
   <p:cSld>
     <p:spTree>
       <p:nvGrpSpPr>
@@ -3292,7 +3242,14 @@
         <p:cNvGrpSpPr/>
         <p:nvPr/>
       </p:nvGrpSpPr>
-      <p:grpSpPr/>
+      <p:grpSpPr>
+        <a:xfrm>
+          <a:off x="0" y="0"/>
+          <a:ext cx="0" cy="0"/>
+          <a:chOff x="0" y="0"/>
+          <a:chExt cx="0" cy="0"/>
+        </a:xfrm>
+      </p:grpSpPr>
       <p:sp>
         <p:nvSpPr>
           <p:cNvPr id="2" name="Title 1"/>
@@ -3309,8 +3266,10 @@
           <a:lstStyle/>
           <a:p>
             <a:r>
-              <a:t>Overview of OCR Process</a:t>
-            </a:r>
+              <a:rPr lang="en-IN" dirty="0"/>
+              <a:t>Introduction</a:t>
+            </a:r>
+            <a:endParaRPr dirty="0"/>
           </a:p>
         </p:txBody>
       </p:sp>
@@ -3326,32 +3285,37 @@
         </p:nvSpPr>
         <p:spPr/>
         <p:txBody>
-          <a:bodyPr/>
-          <a:lstStyle/>
-          <a:p>
-            <a:r>
-              <a:t>This presentation demonstrates the key steps in image preprocessing for OCR:</a:t>
-            </a:r>
-          </a:p>
-          <a:p>
-            <a:r>
-              <a:t>1. Image Processing (Thresholding, Deskewing, etc.)</a:t>
-            </a:r>
-          </a:p>
-          <a:p>
-            <a:r>
-              <a:t>2. OCR Integration with Tesseract</a:t>
-            </a:r>
-          </a:p>
-          <a:p>
-            <a:r>
-              <a:t>3. Model Evaluation using Cosine Similarity</a:t>
-            </a:r>
-          </a:p>
-          <a:p>
-            <a:r>
-              <a:t>4. Performance Tracking (Time and Memory)</a:t>
-            </a:r>
+          <a:bodyPr>
+            <a:normAutofit/>
+          </a:bodyPr>
+          <a:lstStyle/>
+          <a:p>
+            <a:pPr marL="0" indent="0" algn="just">
+              <a:buNone/>
+            </a:pPr>
+            <a:r>
+              <a:rPr lang="en-US" sz="1800" dirty="0"/>
+              <a:t>The goal of this project-</a:t>
+            </a:r>
+            <a:r>
+              <a:rPr lang="en-US" sz="1800" b="1" dirty="0"/>
+              <a:t>Creating Text from Images with OCR API</a:t>
+            </a:r>
+            <a:r>
+              <a:rPr lang="en-US" sz="1800" dirty="0"/>
+              <a:t>, is to develop a C# console application that uses the Tesseract for text extraction from images. The application will preprocess images through various transformations such as deskewing, adaptive thresholding, and saturation adjustments to enhance OCR accuracy. By evaluating different preprocessing techniques, the project aims to determine the most effective approach for improving text recognition. Additionally, performance metrics such as processing time and memory usage will be tracked to assess the impact of preprocessing on OCR efficiency</a:t>
+            </a:r>
+            <a:r>
+              <a:rPr lang="en-US" sz="1100" dirty="0"/>
+              <a:t>.</a:t>
+            </a:r>
+            <a:endParaRPr sz="1800" dirty="0"/>
+          </a:p>
+          <a:p>
+            <a:pPr marL="0" indent="0">
+              <a:buNone/>
+            </a:pPr>
+            <a:endParaRPr sz="1800" dirty="0"/>
           </a:p>
         </p:txBody>
       </p:sp>
@@ -3364,7 +3328,7 @@
 </file>
 
 <file path=ppt/slides/slide3.xml><?xml version="1.0" encoding="utf-8"?>
-<p:sld xmlns:a="http://schemas.openxmlformats.org/drawingml/2006/main" xmlns:p="http://schemas.openxmlformats.org/presentationml/2006/main" xmlns:r="http://schemas.openxmlformats.org/officeDocument/2006/relationships">
+<p:sld xmlns:a="http://schemas.openxmlformats.org/drawingml/2006/main" xmlns:r="http://schemas.openxmlformats.org/officeDocument/2006/relationships" xmlns:p="http://schemas.openxmlformats.org/presentationml/2006/main">
   <p:cSld>
     <p:spTree>
       <p:nvGrpSpPr>
@@ -3372,7 +3336,14 @@
         <p:cNvGrpSpPr/>
         <p:nvPr/>
       </p:nvGrpSpPr>
-      <p:grpSpPr/>
+      <p:grpSpPr>
+        <a:xfrm>
+          <a:off x="0" y="0"/>
+          <a:ext cx="0" cy="0"/>
+          <a:chOff x="0" y="0"/>
+          <a:chExt cx="0" cy="0"/>
+        </a:xfrm>
+      </p:grpSpPr>
       <p:sp>
         <p:nvSpPr>
           <p:cNvPr id="2" name="Title 1"/>
@@ -3409,28 +3380,26 @@
           <a:bodyPr/>
           <a:lstStyle/>
           <a:p>
-            <a:r>
-              <a:t>1. **Adaptive Thresholding**: Adjusts the threshold based on local image regions.</a:t>
-            </a:r>
-          </a:p>
-          <a:p>
-            <a:r>
-              <a:t>2. **Grayscale Conversion**: Converts color images to grayscale for better processing.</a:t>
-            </a:r>
-          </a:p>
-          <a:p>
-            <a:r>
-              <a:t>3. **Deskewing**: Corrects skew or rotation of images for accurate OCR.</a:t>
-            </a:r>
-          </a:p>
-          <a:p>
-            <a:r>
-              <a:t>4. **Global Thresholding**: Binarizes images with a fixed threshold.</a:t>
-            </a:r>
-          </a:p>
-          <a:p>
-            <a:r>
-              <a:t>5. **Saturation Adjustment**: Enhances image contrast and brightness.</a:t>
+            <a:endParaRPr/>
+          </a:p>
+          <a:p>
+            <a:r>
+              <a:t>Convert images to grayscale.</a:t>
+            </a:r>
+          </a:p>
+          <a:p>
+            <a:r>
+              <a:t>Apply adaptive and global thresholding.</a:t>
+            </a:r>
+          </a:p>
+          <a:p>
+            <a:r>
+              <a:t>Adjust saturation and contrast.</a:t>
+            </a:r>
+          </a:p>
+          <a:p>
+            <a:r>
+              <a:t>Deskew images for better text alignment.</a:t>
             </a:r>
           </a:p>
         </p:txBody>
@@ -3444,7 +3413,7 @@
 </file>
 
 <file path=ppt/slides/slide4.xml><?xml version="1.0" encoding="utf-8"?>
-<p:sld xmlns:a="http://schemas.openxmlformats.org/drawingml/2006/main" xmlns:p="http://schemas.openxmlformats.org/presentationml/2006/main" xmlns:r="http://schemas.openxmlformats.org/officeDocument/2006/relationships">
+<p:sld xmlns:a="http://schemas.openxmlformats.org/drawingml/2006/main" xmlns:r="http://schemas.openxmlformats.org/officeDocument/2006/relationships" xmlns:p="http://schemas.openxmlformats.org/presentationml/2006/main">
   <p:cSld>
     <p:spTree>
       <p:nvGrpSpPr>
@@ -3452,7 +3421,14 @@
         <p:cNvGrpSpPr/>
         <p:nvPr/>
       </p:nvGrpSpPr>
-      <p:grpSpPr/>
+      <p:grpSpPr>
+        <a:xfrm>
+          <a:off x="0" y="0"/>
+          <a:ext cx="0" cy="0"/>
+          <a:chOff x="0" y="0"/>
+          <a:chExt cx="0" cy="0"/>
+        </a:xfrm>
+      </p:grpSpPr>
       <p:sp>
         <p:nvSpPr>
           <p:cNvPr id="2" name="Title 1"/>
@@ -3469,7 +3445,7 @@
           <a:lstStyle/>
           <a:p>
             <a:r>
-              <a:t>OCR Integration with Tesseract</a:t>
+              <a:t>Text Extraction with OCR</a:t>
             </a:r>
           </a:p>
         </p:txBody>
@@ -3489,23 +3465,21 @@
           <a:bodyPr/>
           <a:lstStyle/>
           <a:p>
-            <a:r>
-              <a:t>Tesseract OCR is used for extracting text from processed images. The process involves:</a:t>
-            </a:r>
-          </a:p>
-          <a:p>
-            <a:r>
-              <a:t>1. Convert processed image to text format.</a:t>
-            </a:r>
-          </a:p>
-          <a:p>
-            <a:r>
-              <a:t>2. Use Tesseract Engine to extract text.</a:t>
-            </a:r>
-          </a:p>
-          <a:p>
-            <a:r>
-              <a:t>3. Store the extracted text with model labels.</a:t>
+            <a:endParaRPr/>
+          </a:p>
+          <a:p>
+            <a:r>
+              <a:t>Use Tesseract OCR to extract text.</a:t>
+            </a:r>
+          </a:p>
+          <a:p>
+            <a:r>
+              <a:t>Apply different preprocessing methods before OCR.</a:t>
+            </a:r>
+          </a:p>
+          <a:p>
+            <a:r>
+              <a:t>Optimize settings for better recognition.</a:t>
             </a:r>
           </a:p>
         </p:txBody>
@@ -3519,7 +3493,7 @@
 </file>
 
 <file path=ppt/slides/slide5.xml><?xml version="1.0" encoding="utf-8"?>
-<p:sld xmlns:a="http://schemas.openxmlformats.org/drawingml/2006/main" xmlns:p="http://schemas.openxmlformats.org/presentationml/2006/main" xmlns:r="http://schemas.openxmlformats.org/officeDocument/2006/relationships">
+<p:sld xmlns:a="http://schemas.openxmlformats.org/drawingml/2006/main" xmlns:r="http://schemas.openxmlformats.org/officeDocument/2006/relationships" xmlns:p="http://schemas.openxmlformats.org/presentationml/2006/main">
   <p:cSld>
     <p:spTree>
       <p:nvGrpSpPr>
@@ -3527,7 +3501,14 @@
         <p:cNvGrpSpPr/>
         <p:nvPr/>
       </p:nvGrpSpPr>
-      <p:grpSpPr/>
+      <p:grpSpPr>
+        <a:xfrm>
+          <a:off x="0" y="0"/>
+          <a:ext cx="0" cy="0"/>
+          <a:chOff x="0" y="0"/>
+          <a:chExt cx="0" cy="0"/>
+        </a:xfrm>
+      </p:grpSpPr>
       <p:sp>
         <p:nvSpPr>
           <p:cNvPr id="2" name="Title 1"/>
@@ -3544,7 +3525,7 @@
           <a:lstStyle/>
           <a:p>
             <a:r>
-              <a:t>Cosine Similarity for Model Comparison</a:t>
+              <a:t>Performance Evaluation Metrics</a:t>
             </a:r>
           </a:p>
         </p:txBody>
@@ -3564,18 +3545,21 @@
           <a:bodyPr/>
           <a:lstStyle/>
           <a:p>
-            <a:r>
-              <a:t>Cosine Similarity is used to compare different models' embeddings:</a:t>
-            </a:r>
-          </a:p>
-          <a:p>
-            <a:r>
-              <a:t>1. Calculate cosine similarity between model embeddings.</a:t>
-            </a:r>
-          </a:p>
-          <a:p>
-            <a:r>
-              <a:t>2. Generate a similarity report for model comparison.</a:t>
+            <a:endParaRPr/>
+          </a:p>
+          <a:p>
+            <a:r>
+              <a:t>Accuracy of extracted text.</a:t>
+            </a:r>
+          </a:p>
+          <a:p>
+            <a:r>
+              <a:t>Processing time for different techniques.</a:t>
+            </a:r>
+          </a:p>
+          <a:p>
+            <a:r>
+              <a:t>Memory usage during OCR processing.</a:t>
             </a:r>
           </a:p>
         </p:txBody>
@@ -3589,7 +3573,7 @@
 </file>
 
 <file path=ppt/slides/slide6.xml><?xml version="1.0" encoding="utf-8"?>
-<p:sld xmlns:a="http://schemas.openxmlformats.org/drawingml/2006/main" xmlns:p="http://schemas.openxmlformats.org/presentationml/2006/main" xmlns:r="http://schemas.openxmlformats.org/officeDocument/2006/relationships">
+<p:sld xmlns:a="http://schemas.openxmlformats.org/drawingml/2006/main" xmlns:r="http://schemas.openxmlformats.org/officeDocument/2006/relationships" xmlns:p="http://schemas.openxmlformats.org/presentationml/2006/main">
   <p:cSld>
     <p:spTree>
       <p:nvGrpSpPr>
@@ -3597,7 +3581,14 @@
         <p:cNvGrpSpPr/>
         <p:nvPr/>
       </p:nvGrpSpPr>
-      <p:grpSpPr/>
+      <p:grpSpPr>
+        <a:xfrm>
+          <a:off x="0" y="0"/>
+          <a:ext cx="0" cy="0"/>
+          <a:chOff x="0" y="0"/>
+          <a:chExt cx="0" cy="0"/>
+        </a:xfrm>
+      </p:grpSpPr>
       <p:sp>
         <p:nvSpPr>
           <p:cNvPr id="2" name="Title 1"/>
@@ -3614,7 +3605,7 @@
           <a:lstStyle/>
           <a:p>
             <a:r>
-              <a:t>Embedding Generation with OpenAI API</a:t>
+              <a:t>Implementation - Code Structure</a:t>
             </a:r>
           </a:p>
         </p:txBody>
@@ -3634,23 +3625,26 @@
           <a:bodyPr/>
           <a:lstStyle/>
           <a:p>
-            <a:r>
-              <a:t>Embeddings are generated using OpenAI's API for text processing:</a:t>
-            </a:r>
-          </a:p>
-          <a:p>
-            <a:r>
-              <a:t>1. Text from OCR models is sent to OpenAI API.</a:t>
-            </a:r>
-          </a:p>
-          <a:p>
-            <a:r>
-              <a:t>2. Embeddings are created for each model's extracted text.</a:t>
-            </a:r>
-          </a:p>
-          <a:p>
-            <a:r>
-              <a:t>3. Embeddings help compare models and evaluate their similarity.</a:t>
+            <a:endParaRPr/>
+          </a:p>
+          <a:p>
+            <a:r>
+              <a:t>ConfigLoader.cs: Loads configuration settings.</a:t>
+            </a:r>
+          </a:p>
+          <a:p>
+            <a:r>
+              <a:t>Preprocessing modules: ConvertToGrayscale, AdaptiveThreshold, etc.</a:t>
+            </a:r>
+          </a:p>
+          <a:p>
+            <a:r>
+              <a:t>TesseractProcessor.cs: Handles OCR extraction.</a:t>
+            </a:r>
+          </a:p>
+          <a:p>
+            <a:r>
+              <a:t>Performance trackers: Memory and time tracking.</a:t>
             </a:r>
           </a:p>
         </p:txBody>
@@ -3664,7 +3658,7 @@
 </file>
 
 <file path=ppt/slides/slide7.xml><?xml version="1.0" encoding="utf-8"?>
-<p:sld xmlns:a="http://schemas.openxmlformats.org/drawingml/2006/main" xmlns:p="http://schemas.openxmlformats.org/presentationml/2006/main" xmlns:r="http://schemas.openxmlformats.org/officeDocument/2006/relationships">
+<p:sld xmlns:a="http://schemas.openxmlformats.org/drawingml/2006/main" xmlns:r="http://schemas.openxmlformats.org/officeDocument/2006/relationships" xmlns:p="http://schemas.openxmlformats.org/presentationml/2006/main">
   <p:cSld>
     <p:spTree>
       <p:nvGrpSpPr>
@@ -3672,7 +3666,14 @@
         <p:cNvGrpSpPr/>
         <p:nvPr/>
       </p:nvGrpSpPr>
-      <p:grpSpPr/>
+      <p:grpSpPr>
+        <a:xfrm>
+          <a:off x="0" y="0"/>
+          <a:ext cx="0" cy="0"/>
+          <a:chOff x="0" y="0"/>
+          <a:chExt cx="0" cy="0"/>
+        </a:xfrm>
+      </p:grpSpPr>
       <p:sp>
         <p:nvSpPr>
           <p:cNvPr id="2" name="Title 1"/>
@@ -3689,7 +3690,7 @@
           <a:lstStyle/>
           <a:p>
             <a:r>
-              <a:t>Performance Tracking</a:t>
+              <a:t>Results &amp; Comparisons</a:t>
             </a:r>
           </a:p>
         </p:txBody>
@@ -3709,23 +3710,21 @@
           <a:bodyPr/>
           <a:lstStyle/>
           <a:p>
-            <a:r>
-              <a:t>Performance metrics are crucial for optimizing models:</a:t>
-            </a:r>
-          </a:p>
-          <a:p>
-            <a:r>
-              <a:t>1. **Time Tracking**: Measures processing time for each model.</a:t>
-            </a:r>
-          </a:p>
-          <a:p>
-            <a:r>
-              <a:t>2. **Memory Tracking**: Monitors memory usage during image processing.</a:t>
-            </a:r>
-          </a:p>
-          <a:p>
-            <a:r>
-              <a:t>3. Track average time and memory across multiple runs.</a:t>
+            <a:endParaRPr/>
+          </a:p>
+          <a:p>
+            <a:r>
+              <a:t>Comparison of different preprocessing techniques.</a:t>
+            </a:r>
+          </a:p>
+          <a:p>
+            <a:r>
+              <a:t>Evaluation of OCR accuracy improvements.</a:t>
+            </a:r>
+          </a:p>
+          <a:p>
+            <a:r>
+              <a:t>Demonstration of extracted text from sample images.</a:t>
             </a:r>
           </a:p>
         </p:txBody>
@@ -3739,7 +3738,7 @@
 </file>
 
 <file path=ppt/slides/slide8.xml><?xml version="1.0" encoding="utf-8"?>
-<p:sld xmlns:a="http://schemas.openxmlformats.org/drawingml/2006/main" xmlns:p="http://schemas.openxmlformats.org/presentationml/2006/main" xmlns:r="http://schemas.openxmlformats.org/officeDocument/2006/relationships">
+<p:sld xmlns:a="http://schemas.openxmlformats.org/drawingml/2006/main" xmlns:r="http://schemas.openxmlformats.org/officeDocument/2006/relationships" xmlns:p="http://schemas.openxmlformats.org/presentationml/2006/main">
   <p:cSld>
     <p:spTree>
       <p:nvGrpSpPr>
@@ -3747,7 +3746,14 @@
         <p:cNvGrpSpPr/>
         <p:nvPr/>
       </p:nvGrpSpPr>
-      <p:grpSpPr/>
+      <p:grpSpPr>
+        <a:xfrm>
+          <a:off x="0" y="0"/>
+          <a:ext cx="0" cy="0"/>
+          <a:chOff x="0" y="0"/>
+          <a:chExt cx="0" cy="0"/>
+        </a:xfrm>
+      </p:grpSpPr>
       <p:sp>
         <p:nvSpPr>
           <p:cNvPr id="2" name="Title 1"/>
@@ -3764,7 +3770,7 @@
           <a:lstStyle/>
           <a:p>
             <a:r>
-              <a:t>File and Directory Management</a:t>
+              <a:t>Conclusion &amp; Future Work</a:t>
             </a:r>
           </a:p>
         </p:txBody>
@@ -3784,90 +3790,25 @@
           <a:bodyPr/>
           <a:lstStyle/>
           <a:p>
-            <a:r>
-              <a:t>Efficient file and directory management ensures smooth processing:</a:t>
-            </a:r>
-          </a:p>
-          <a:p>
-            <a:r>
-              <a:t>1. **Directory Cleaner**: Cleans up output directories.</a:t>
-            </a:r>
-          </a:p>
-          <a:p>
-            <a:r>
-              <a:t>2. **File Writer**: Saves extracted text and results.</a:t>
-            </a:r>
-          </a:p>
-          <a:p>
-            <a:r>
-              <a:t>3. **Logger**: Logs processing details for review.</a:t>
-            </a:r>
-          </a:p>
-        </p:txBody>
-      </p:sp>
-    </p:spTree>
-  </p:cSld>
-  <p:clrMapOvr>
-    <a:masterClrMapping/>
-  </p:clrMapOvr>
-</p:sld>
-</file>
-
-<file path=ppt/slides/slide9.xml><?xml version="1.0" encoding="utf-8"?>
-<p:sld xmlns:a="http://schemas.openxmlformats.org/drawingml/2006/main" xmlns:p="http://schemas.openxmlformats.org/presentationml/2006/main" xmlns:r="http://schemas.openxmlformats.org/officeDocument/2006/relationships">
-  <p:cSld>
-    <p:spTree>
-      <p:nvGrpSpPr>
-        <p:cNvPr id="1" name=""/>
-        <p:cNvGrpSpPr/>
-        <p:nvPr/>
-      </p:nvGrpSpPr>
-      <p:grpSpPr/>
-      <p:sp>
-        <p:nvSpPr>
-          <p:cNvPr id="2" name="Title 1"/>
-          <p:cNvSpPr>
-            <a:spLocks noGrp="1"/>
-          </p:cNvSpPr>
-          <p:nvPr>
-            <p:ph type="title"/>
-          </p:nvPr>
-        </p:nvSpPr>
-        <p:spPr/>
-        <p:txBody>
-          <a:bodyPr/>
-          <a:lstStyle/>
-          <a:p>
-            <a:r>
-              <a:t>Flow of the OCR Program</a:t>
-            </a:r>
-          </a:p>
-        </p:txBody>
-      </p:sp>
-      <p:pic>
-        <p:nvPicPr>
-          <p:cNvPr id="3" name="Picture 2" descr="image.png"/>
-          <p:cNvPicPr>
-            <a:picLocks noChangeAspect="1"/>
-          </p:cNvPicPr>
-          <p:nvPr/>
-        </p:nvPicPr>
-        <p:blipFill>
-          <a:blip r:embed="rId2"/>
-          <a:stretch>
-            <a:fillRect/>
-          </a:stretch>
-        </p:blipFill>
-        <p:spPr>
-          <a:xfrm>
-            <a:off x="457200" y="1371600"/>
-            <a:ext cx="8229600" cy="4572000"/>
-          </a:xfrm>
-          <a:prstGeom prst="rect">
-            <a:avLst/>
-          </a:prstGeom>
-        </p:spPr>
-      </p:pic>
+            <a:endParaRPr/>
+          </a:p>
+          <a:p>
+            <a:r>
+              <a:t>OCR accuracy depends on preprocessing quality.</a:t>
+            </a:r>
+          </a:p>
+          <a:p>
+            <a:r>
+              <a:t>Future improvements: AI-based preprocessing techniques.</a:t>
+            </a:r>
+          </a:p>
+          <a:p>
+            <a:r>
+              <a:t>Integration with real-time applications like document scanning.</a:t>
+            </a:r>
+          </a:p>
+        </p:txBody>
+      </p:sp>
     </p:spTree>
   </p:cSld>
   <p:clrMapOvr>
